--- a/Slides/11_Lecture.pptx
+++ b/Slides/11_Lecture.pptx
@@ -5,7 +5,7 @@
     <p:sldMasterId id="2147483660" r:id="rId1"/>
   </p:sldMasterIdLst>
   <p:notesMasterIdLst>
-    <p:notesMasterId r:id="rId16"/>
+    <p:notesMasterId r:id="rId15"/>
   </p:notesMasterIdLst>
   <p:sldIdLst>
     <p:sldId id="256" r:id="rId2"/>
@@ -14,14 +14,13 @@
     <p:sldId id="259" r:id="rId5"/>
     <p:sldId id="260" r:id="rId6"/>
     <p:sldId id="261" r:id="rId7"/>
-    <p:sldId id="262" r:id="rId8"/>
-    <p:sldId id="263" r:id="rId9"/>
-    <p:sldId id="264" r:id="rId10"/>
-    <p:sldId id="265" r:id="rId11"/>
-    <p:sldId id="266" r:id="rId12"/>
-    <p:sldId id="267" r:id="rId13"/>
-    <p:sldId id="268" r:id="rId14"/>
-    <p:sldId id="269" r:id="rId15"/>
+    <p:sldId id="263" r:id="rId8"/>
+    <p:sldId id="264" r:id="rId9"/>
+    <p:sldId id="265" r:id="rId10"/>
+    <p:sldId id="266" r:id="rId11"/>
+    <p:sldId id="267" r:id="rId12"/>
+    <p:sldId id="268" r:id="rId13"/>
+    <p:sldId id="269" r:id="rId14"/>
   </p:sldIdLst>
   <p:sldSz cx="9144000" cy="6858000" type="screen4x3"/>
   <p:notesSz cx="6858000" cy="9144000"/>
@@ -210,7 +209,7 @@
           <a:p>
             <a:fld id="{16136E8F-1965-6C44-A7B5-03BB9B497561}" type="datetimeFigureOut">
               <a:rPr lang="en-GB" smtClean="0"/>
-              <a:t>02/10/2017</a:t>
+              <a:t>07/11/2017</a:t>
             </a:fld>
             <a:endParaRPr lang="en-GB"/>
           </a:p>
@@ -609,7 +608,7 @@
           <a:p>
             <a:fld id="{C380D008-60B2-0246-B113-8E855462598C}" type="datetimeFigureOut">
               <a:rPr lang="en-GB" smtClean="0"/>
-              <a:t>02/10/2017</a:t>
+              <a:t>07/11/2017</a:t>
             </a:fld>
             <a:endParaRPr lang="en-GB"/>
           </a:p>
@@ -774,7 +773,7 @@
           <a:p>
             <a:fld id="{C380D008-60B2-0246-B113-8E855462598C}" type="datetimeFigureOut">
               <a:rPr lang="en-GB" smtClean="0"/>
-              <a:t>02/10/2017</a:t>
+              <a:t>07/11/2017</a:t>
             </a:fld>
             <a:endParaRPr lang="en-GB"/>
           </a:p>
@@ -949,7 +948,7 @@
           <a:p>
             <a:fld id="{C380D008-60B2-0246-B113-8E855462598C}" type="datetimeFigureOut">
               <a:rPr lang="en-GB" smtClean="0"/>
-              <a:t>02/10/2017</a:t>
+              <a:t>07/11/2017</a:t>
             </a:fld>
             <a:endParaRPr lang="en-GB"/>
           </a:p>
@@ -1114,7 +1113,7 @@
           <a:p>
             <a:fld id="{C380D008-60B2-0246-B113-8E855462598C}" type="datetimeFigureOut">
               <a:rPr lang="en-GB" smtClean="0"/>
-              <a:t>02/10/2017</a:t>
+              <a:t>07/11/2017</a:t>
             </a:fld>
             <a:endParaRPr lang="en-GB"/>
           </a:p>
@@ -1353,7 +1352,7 @@
           <a:p>
             <a:fld id="{C380D008-60B2-0246-B113-8E855462598C}" type="datetimeFigureOut">
               <a:rPr lang="en-GB" smtClean="0"/>
-              <a:t>02/10/2017</a:t>
+              <a:t>07/11/2017</a:t>
             </a:fld>
             <a:endParaRPr lang="en-GB"/>
           </a:p>
@@ -1580,7 +1579,7 @@
           <a:p>
             <a:fld id="{C380D008-60B2-0246-B113-8E855462598C}" type="datetimeFigureOut">
               <a:rPr lang="en-GB" smtClean="0"/>
-              <a:t>02/10/2017</a:t>
+              <a:t>07/11/2017</a:t>
             </a:fld>
             <a:endParaRPr lang="en-GB"/>
           </a:p>
@@ -1942,7 +1941,7 @@
           <a:p>
             <a:fld id="{C380D008-60B2-0246-B113-8E855462598C}" type="datetimeFigureOut">
               <a:rPr lang="en-GB" smtClean="0"/>
-              <a:t>02/10/2017</a:t>
+              <a:t>07/11/2017</a:t>
             </a:fld>
             <a:endParaRPr lang="en-GB"/>
           </a:p>
@@ -2055,7 +2054,7 @@
           <a:p>
             <a:fld id="{C380D008-60B2-0246-B113-8E855462598C}" type="datetimeFigureOut">
               <a:rPr lang="en-GB" smtClean="0"/>
-              <a:t>02/10/2017</a:t>
+              <a:t>07/11/2017</a:t>
             </a:fld>
             <a:endParaRPr lang="en-GB"/>
           </a:p>
@@ -2145,7 +2144,7 @@
           <a:p>
             <a:fld id="{C380D008-60B2-0246-B113-8E855462598C}" type="datetimeFigureOut">
               <a:rPr lang="en-GB" smtClean="0"/>
-              <a:t>02/10/2017</a:t>
+              <a:t>07/11/2017</a:t>
             </a:fld>
             <a:endParaRPr lang="en-GB"/>
           </a:p>
@@ -2417,7 +2416,7 @@
           <a:p>
             <a:fld id="{C380D008-60B2-0246-B113-8E855462598C}" type="datetimeFigureOut">
               <a:rPr lang="en-GB" smtClean="0"/>
-              <a:t>02/10/2017</a:t>
+              <a:t>07/11/2017</a:t>
             </a:fld>
             <a:endParaRPr lang="en-GB"/>
           </a:p>
@@ -2669,7 +2668,7 @@
           <a:p>
             <a:fld id="{C380D008-60B2-0246-B113-8E855462598C}" type="datetimeFigureOut">
               <a:rPr lang="en-GB" smtClean="0"/>
-              <a:t>02/10/2017</a:t>
+              <a:t>07/11/2017</a:t>
             </a:fld>
             <a:endParaRPr lang="en-GB"/>
           </a:p>
@@ -2877,7 +2876,7 @@
           <a:p>
             <a:fld id="{C380D008-60B2-0246-B113-8E855462598C}" type="datetimeFigureOut">
               <a:rPr lang="en-GB" smtClean="0"/>
-              <a:t>02/10/2017</a:t>
+              <a:t>07/11/2017</a:t>
             </a:fld>
             <a:endParaRPr lang="en-GB"/>
           </a:p>
@@ -3529,7 +3528,7 @@
             </a:pPr>
             <a:r>
               <a:rPr lang="en-GB" dirty="0" smtClean="0"/>
-              <a:t>Alex D Singleton, Seth E </a:t>
+              <a:t>Alex D. Singleton, Seth E. </a:t>
             </a:r>
             <a:r>
               <a:rPr lang="en-GB" dirty="0" err="1" smtClean="0"/>
@@ -3537,7 +3536,7 @@
             </a:r>
             <a:r>
               <a:rPr lang="en-GB" dirty="0" smtClean="0"/>
-              <a:t>, David C </a:t>
+              <a:t>, David C. </a:t>
             </a:r>
             <a:r>
               <a:rPr lang="en-GB" dirty="0" err="1" smtClean="0"/>
@@ -3545,7 +3544,15 @@
             </a:r>
             <a:r>
               <a:rPr lang="en-GB" dirty="0" smtClean="0"/>
-              <a:t> (2017) Urban Analytics. London: Sage.</a:t>
+              <a:t> (2017) </a:t>
+            </a:r>
+            <a:r>
+              <a:rPr lang="en-GB" i="1" dirty="0" smtClean="0"/>
+              <a:t>Urban Analytics</a:t>
+            </a:r>
+            <a:r>
+              <a:rPr lang="en-GB" dirty="0" smtClean="0"/>
+              <a:t>. London: Sage.</a:t>
             </a:r>
             <a:endParaRPr lang="en-GB" dirty="0"/>
           </a:p>
@@ -3598,127 +3605,6 @@
           <a:p>
             <a:r>
               <a:rPr lang="en-GB" dirty="0" smtClean="0"/>
-              <a:t>Missing Values</a:t>
-            </a:r>
-            <a:endParaRPr lang="en-GB" dirty="0"/>
-          </a:p>
-        </p:txBody>
-      </p:sp>
-      <p:pic>
-        <p:nvPicPr>
-          <p:cNvPr id="4" name="Content Placeholder 3"/>
-          <p:cNvPicPr>
-            <a:picLocks noGrp="1" noChangeAspect="1"/>
-          </p:cNvPicPr>
-          <p:nvPr>
-            <p:ph idx="1"/>
-          </p:nvPr>
-        </p:nvPicPr>
-        <p:blipFill>
-          <a:blip r:embed="rId2" cstate="screen">
-            <a:extLst>
-              <a:ext uri="{28A0092B-C50C-407E-A947-70E740481C1C}">
-                <a14:useLocalDpi xmlns:a14="http://schemas.microsoft.com/office/drawing/2010/main"/>
-              </a:ext>
-            </a:extLst>
-          </a:blip>
-          <a:stretch>
-            <a:fillRect/>
-          </a:stretch>
-        </p:blipFill>
-        <p:spPr>
-          <a:xfrm>
-            <a:off x="1164326" y="1825625"/>
-            <a:ext cx="6815348" cy="4351338"/>
-          </a:xfrm>
-          <a:prstGeom prst="rect">
-            <a:avLst/>
-          </a:prstGeom>
-        </p:spPr>
-      </p:pic>
-      <p:sp>
-        <p:nvSpPr>
-          <p:cNvPr id="5" name="Rectangle 4"/>
-          <p:cNvSpPr/>
-          <p:nvPr/>
-        </p:nvSpPr>
-        <p:spPr>
-          <a:xfrm>
-            <a:off x="3308888" y="6176963"/>
-            <a:ext cx="4905214" cy="523220"/>
-          </a:xfrm>
-          <a:prstGeom prst="rect">
-            <a:avLst/>
-          </a:prstGeom>
-        </p:spPr>
-        <p:txBody>
-          <a:bodyPr wrap="square">
-            <a:spAutoFit/>
-          </a:bodyPr>
-          <a:lstStyle/>
-          <a:p>
-            <a:r>
-              <a:rPr lang="en-GB" sz="1400" dirty="0"/>
-              <a:t>Outliers and missing data can cause problems when </a:t>
-            </a:r>
-            <a:r>
-              <a:rPr lang="en-GB" sz="1400" dirty="0" err="1"/>
-              <a:t>modeling</a:t>
-            </a:r>
-            <a:r>
-              <a:rPr lang="en-GB" sz="1400" dirty="0"/>
-              <a:t> data </a:t>
-            </a:r>
-          </a:p>
-        </p:txBody>
-      </p:sp>
-    </p:spTree>
-    <p:extLst>
-      <p:ext uri="{BB962C8B-B14F-4D97-AF65-F5344CB8AC3E}">
-        <p14:creationId xmlns:p14="http://schemas.microsoft.com/office/powerpoint/2010/main" val="871923057"/>
-      </p:ext>
-    </p:extLst>
-  </p:cSld>
-  <p:clrMapOvr>
-    <a:masterClrMapping/>
-  </p:clrMapOvr>
-</p:sld>
-</file>
-
-<file path=ppt/slides/slide11.xml><?xml version="1.0" encoding="utf-8"?>
-<p:sld xmlns:a="http://schemas.openxmlformats.org/drawingml/2006/main" xmlns:r="http://schemas.openxmlformats.org/officeDocument/2006/relationships" xmlns:p="http://schemas.openxmlformats.org/presentationml/2006/main">
-  <p:cSld>
-    <p:spTree>
-      <p:nvGrpSpPr>
-        <p:cNvPr id="1" name=""/>
-        <p:cNvGrpSpPr/>
-        <p:nvPr/>
-      </p:nvGrpSpPr>
-      <p:grpSpPr>
-        <a:xfrm>
-          <a:off x="0" y="0"/>
-          <a:ext cx="0" cy="0"/>
-          <a:chOff x="0" y="0"/>
-          <a:chExt cx="0" cy="0"/>
-        </a:xfrm>
-      </p:grpSpPr>
-      <p:sp>
-        <p:nvSpPr>
-          <p:cNvPr id="2" name="Title 1"/>
-          <p:cNvSpPr>
-            <a:spLocks noGrp="1"/>
-          </p:cNvSpPr>
-          <p:nvPr>
-            <p:ph type="title"/>
-          </p:nvPr>
-        </p:nvSpPr>
-        <p:spPr/>
-        <p:txBody>
-          <a:bodyPr/>
-          <a:lstStyle/>
-          <a:p>
-            <a:r>
-              <a:rPr lang="en-GB" dirty="0" smtClean="0"/>
               <a:t>Exploratory Data Analysis</a:t>
             </a:r>
             <a:endParaRPr lang="en-GB" dirty="0"/>
@@ -3781,11 +3667,11 @@
             </a:r>
             <a:r>
               <a:rPr lang="en-US" dirty="0"/>
-              <a:t>specialized bar chart that shows the shape of the distribution</a:t>
+              <a:t>specialized bar chart that shows the shape of the </a:t>
             </a:r>
             <a:r>
               <a:rPr lang="en-US" dirty="0" smtClean="0"/>
-              <a:t>.</a:t>
+              <a:t>distribution</a:t>
             </a:r>
           </a:p>
           <a:p>
@@ -3818,11 +3704,11 @@
             </a:r>
             <a:r>
               <a:rPr lang="en-US" dirty="0"/>
-              <a:t>visual representation of five key points in a distribution: the </a:t>
+              <a:t>visual representation of five key points in a distribution: </a:t>
             </a:r>
             <a:r>
               <a:rPr lang="en-US" dirty="0" smtClean="0"/>
-              <a:t>minimum</a:t>
+              <a:t>the minimum</a:t>
             </a:r>
             <a:r>
               <a:rPr lang="en-US" dirty="0"/>
@@ -3862,7 +3748,7 @@
 </p:sld>
 </file>
 
-<file path=ppt/slides/slide12.xml><?xml version="1.0" encoding="utf-8"?>
+<file path=ppt/slides/slide11.xml><?xml version="1.0" encoding="utf-8"?>
 <p:sld xmlns:a="http://schemas.openxmlformats.org/drawingml/2006/main" xmlns:r="http://schemas.openxmlformats.org/officeDocument/2006/relationships" xmlns:p="http://schemas.openxmlformats.org/presentationml/2006/main">
   <p:cSld>
     <p:spTree>
@@ -3974,21 +3860,21 @@
         </p:nvSpPr>
         <p:spPr>
           <a:xfrm>
-            <a:off x="3943350" y="6004121"/>
-            <a:ext cx="4572000" cy="307777"/>
+            <a:off x="2622430" y="6004121"/>
+            <a:ext cx="5892920" cy="307777"/>
           </a:xfrm>
           <a:prstGeom prst="rect">
             <a:avLst/>
           </a:prstGeom>
         </p:spPr>
         <p:txBody>
-          <a:bodyPr>
+          <a:bodyPr wrap="square">
             <a:spAutoFit/>
           </a:bodyPr>
           <a:lstStyle/>
           <a:p>
             <a:r>
-              <a:rPr lang="en-GB" sz="1400"/>
+              <a:rPr lang="en-GB" sz="1400" dirty="0"/>
               <a:t>Histograms of Airbnb prices in Washington, DC </a:t>
             </a:r>
           </a:p>
@@ -3998,6 +3884,119 @@
     <p:extLst>
       <p:ext uri="{BB962C8B-B14F-4D97-AF65-F5344CB8AC3E}">
         <p14:creationId xmlns:p14="http://schemas.microsoft.com/office/powerpoint/2010/main" val="1148246591"/>
+      </p:ext>
+    </p:extLst>
+  </p:cSld>
+  <p:clrMapOvr>
+    <a:masterClrMapping/>
+  </p:clrMapOvr>
+</p:sld>
+</file>
+
+<file path=ppt/slides/slide12.xml><?xml version="1.0" encoding="utf-8"?>
+<p:sld xmlns:a="http://schemas.openxmlformats.org/drawingml/2006/main" xmlns:r="http://schemas.openxmlformats.org/officeDocument/2006/relationships" xmlns:p="http://schemas.openxmlformats.org/presentationml/2006/main">
+  <p:cSld>
+    <p:spTree>
+      <p:nvGrpSpPr>
+        <p:cNvPr id="1" name=""/>
+        <p:cNvGrpSpPr/>
+        <p:nvPr/>
+      </p:nvGrpSpPr>
+      <p:grpSpPr>
+        <a:xfrm>
+          <a:off x="0" y="0"/>
+          <a:ext cx="0" cy="0"/>
+          <a:chOff x="0" y="0"/>
+          <a:chExt cx="0" cy="0"/>
+        </a:xfrm>
+      </p:grpSpPr>
+      <p:sp>
+        <p:nvSpPr>
+          <p:cNvPr id="5" name="Title 4"/>
+          <p:cNvSpPr>
+            <a:spLocks noGrp="1"/>
+          </p:cNvSpPr>
+          <p:nvPr>
+            <p:ph type="title"/>
+          </p:nvPr>
+        </p:nvSpPr>
+        <p:spPr/>
+        <p:txBody>
+          <a:bodyPr/>
+          <a:lstStyle/>
+          <a:p>
+            <a:r>
+              <a:rPr lang="en-GB" dirty="0" smtClean="0"/>
+              <a:t>Box Plot</a:t>
+            </a:r>
+            <a:endParaRPr lang="en-GB" dirty="0"/>
+          </a:p>
+        </p:txBody>
+      </p:sp>
+      <p:pic>
+        <p:nvPicPr>
+          <p:cNvPr id="7" name="Content Placeholder 6"/>
+          <p:cNvPicPr>
+            <a:picLocks noGrp="1" noChangeAspect="1"/>
+          </p:cNvPicPr>
+          <p:nvPr>
+            <p:ph idx="1"/>
+          </p:nvPr>
+        </p:nvPicPr>
+        <p:blipFill>
+          <a:blip r:embed="rId2" cstate="screen">
+            <a:extLst>
+              <a:ext uri="{28A0092B-C50C-407E-A947-70E740481C1C}">
+                <a14:useLocalDpi xmlns:a14="http://schemas.microsoft.com/office/drawing/2010/main"/>
+              </a:ext>
+            </a:extLst>
+          </a:blip>
+          <a:stretch>
+            <a:fillRect/>
+          </a:stretch>
+        </p:blipFill>
+        <p:spPr>
+          <a:xfrm>
+            <a:off x="2286602" y="1407171"/>
+            <a:ext cx="4570796" cy="4351338"/>
+          </a:xfrm>
+          <a:prstGeom prst="rect">
+            <a:avLst/>
+          </a:prstGeom>
+        </p:spPr>
+      </p:pic>
+      <p:sp>
+        <p:nvSpPr>
+          <p:cNvPr id="8" name="Rectangle 7"/>
+          <p:cNvSpPr/>
+          <p:nvPr/>
+        </p:nvSpPr>
+        <p:spPr>
+          <a:xfrm>
+            <a:off x="3140015" y="6311899"/>
+            <a:ext cx="5625443" cy="307777"/>
+          </a:xfrm>
+          <a:prstGeom prst="rect">
+            <a:avLst/>
+          </a:prstGeom>
+        </p:spPr>
+        <p:txBody>
+          <a:bodyPr wrap="square">
+            <a:spAutoFit/>
+          </a:bodyPr>
+          <a:lstStyle/>
+          <a:p>
+            <a:r>
+              <a:rPr lang="en-GB" sz="1400" dirty="0"/>
+              <a:t>Boxplots of Airbnb prices in Washington, DC </a:t>
+            </a:r>
+          </a:p>
+        </p:txBody>
+      </p:sp>
+    </p:spTree>
+    <p:extLst>
+      <p:ext uri="{BB962C8B-B14F-4D97-AF65-F5344CB8AC3E}">
+        <p14:creationId xmlns:p14="http://schemas.microsoft.com/office/powerpoint/2010/main" val="709196533"/>
       </p:ext>
     </p:extLst>
   </p:cSld>
@@ -4026,7 +4025,7 @@
       </p:grpSpPr>
       <p:sp>
         <p:nvSpPr>
-          <p:cNvPr id="5" name="Title 4"/>
+          <p:cNvPr id="2" name="Title 1"/>
           <p:cNvSpPr>
             <a:spLocks noGrp="1"/>
           </p:cNvSpPr>
@@ -4041,120 +4040,7 @@
           <a:p>
             <a:r>
               <a:rPr lang="en-GB" dirty="0" smtClean="0"/>
-              <a:t>Box Plot</a:t>
-            </a:r>
-            <a:endParaRPr lang="en-GB" dirty="0"/>
-          </a:p>
-        </p:txBody>
-      </p:sp>
-      <p:pic>
-        <p:nvPicPr>
-          <p:cNvPr id="7" name="Content Placeholder 6"/>
-          <p:cNvPicPr>
-            <a:picLocks noGrp="1" noChangeAspect="1"/>
-          </p:cNvPicPr>
-          <p:nvPr>
-            <p:ph idx="1"/>
-          </p:nvPr>
-        </p:nvPicPr>
-        <p:blipFill>
-          <a:blip r:embed="rId2" cstate="screen">
-            <a:extLst>
-              <a:ext uri="{28A0092B-C50C-407E-A947-70E740481C1C}">
-                <a14:useLocalDpi xmlns:a14="http://schemas.microsoft.com/office/drawing/2010/main"/>
-              </a:ext>
-            </a:extLst>
-          </a:blip>
-          <a:stretch>
-            <a:fillRect/>
-          </a:stretch>
-        </p:blipFill>
-        <p:spPr>
-          <a:xfrm>
-            <a:off x="2286602" y="1407171"/>
-            <a:ext cx="4570796" cy="4351338"/>
-          </a:xfrm>
-          <a:prstGeom prst="rect">
-            <a:avLst/>
-          </a:prstGeom>
-        </p:spPr>
-      </p:pic>
-      <p:sp>
-        <p:nvSpPr>
-          <p:cNvPr id="8" name="Rectangle 7"/>
-          <p:cNvSpPr/>
-          <p:nvPr/>
-        </p:nvSpPr>
-        <p:spPr>
-          <a:xfrm>
-            <a:off x="5334069" y="6311899"/>
-            <a:ext cx="3431389" cy="307777"/>
-          </a:xfrm>
-          <a:prstGeom prst="rect">
-            <a:avLst/>
-          </a:prstGeom>
-        </p:spPr>
-        <p:txBody>
-          <a:bodyPr wrap="none">
-            <a:spAutoFit/>
-          </a:bodyPr>
-          <a:lstStyle/>
-          <a:p>
-            <a:r>
-              <a:rPr lang="en-GB" sz="1400" dirty="0"/>
-              <a:t>Boxplots of Airbnb prices in Washington, DC </a:t>
-            </a:r>
-          </a:p>
-        </p:txBody>
-      </p:sp>
-    </p:spTree>
-    <p:extLst>
-      <p:ext uri="{BB962C8B-B14F-4D97-AF65-F5344CB8AC3E}">
-        <p14:creationId xmlns:p14="http://schemas.microsoft.com/office/powerpoint/2010/main" val="709196533"/>
-      </p:ext>
-    </p:extLst>
-  </p:cSld>
-  <p:clrMapOvr>
-    <a:masterClrMapping/>
-  </p:clrMapOvr>
-</p:sld>
-</file>
-
-<file path=ppt/slides/slide14.xml><?xml version="1.0" encoding="utf-8"?>
-<p:sld xmlns:a="http://schemas.openxmlformats.org/drawingml/2006/main" xmlns:r="http://schemas.openxmlformats.org/officeDocument/2006/relationships" xmlns:p="http://schemas.openxmlformats.org/presentationml/2006/main">
-  <p:cSld>
-    <p:spTree>
-      <p:nvGrpSpPr>
-        <p:cNvPr id="1" name=""/>
-        <p:cNvGrpSpPr/>
-        <p:nvPr/>
-      </p:nvGrpSpPr>
-      <p:grpSpPr>
-        <a:xfrm>
-          <a:off x="0" y="0"/>
-          <a:ext cx="0" cy="0"/>
-          <a:chOff x="0" y="0"/>
-          <a:chExt cx="0" cy="0"/>
-        </a:xfrm>
-      </p:grpSpPr>
-      <p:sp>
-        <p:nvSpPr>
-          <p:cNvPr id="2" name="Title 1"/>
-          <p:cNvSpPr>
-            <a:spLocks noGrp="1"/>
-          </p:cNvSpPr>
-          <p:nvPr>
-            <p:ph type="title"/>
-          </p:nvPr>
-        </p:nvSpPr>
-        <p:spPr/>
-        <p:txBody>
-          <a:bodyPr/>
-          <a:lstStyle/>
-          <a:p>
-            <a:r>
-              <a:rPr lang="en-GB" dirty="0" smtClean="0"/>
-              <a:t>Conclusion</a:t>
+              <a:t>Conclusions</a:t>
             </a:r>
             <a:endParaRPr lang="en-GB" dirty="0"/>
           </a:p>
@@ -4189,7 +4075,7 @@
           <a:p>
             <a:r>
               <a:rPr lang="en-GB" dirty="0" smtClean="0"/>
-              <a:t>A model is a mathematically representation of some real world phenomenon</a:t>
+              <a:t>A model is a mathematical representation of some real world phenomenon</a:t>
             </a:r>
           </a:p>
           <a:p>
@@ -4200,8 +4086,16 @@
           </a:p>
           <a:p>
             <a:r>
+              <a:rPr lang="en-GB"/>
+              <a:t>B</a:t>
+            </a:r>
+            <a:r>
+              <a:rPr lang="en-GB" smtClean="0"/>
+              <a:t>e </a:t>
+            </a:r>
+            <a:r>
               <a:rPr lang="en-GB" dirty="0" smtClean="0"/>
-              <a:t>Have to be cautious of outlier and missing values</a:t>
+              <a:t>cautious of outlier and missing values</a:t>
             </a:r>
           </a:p>
           <a:p>
@@ -4302,12 +4196,12 @@
               <a:t> Regression is a </a:t>
             </a:r>
             <a:r>
-              <a:rPr lang="en-US" dirty="0" err="1"/>
-              <a:t>exible</a:t>
+              <a:rPr lang="en-US" dirty="0" smtClean="0"/>
+              <a:t>flexible </a:t>
             </a:r>
             <a:r>
               <a:rPr lang="en-US" dirty="0"/>
-              <a:t> tool for helping to understand complex relationships within cities</a:t>
+              <a:t>tool for helping to understand complex relationships within cities</a:t>
             </a:r>
             <a:r>
               <a:rPr lang="en-US" dirty="0" smtClean="0"/>
@@ -4976,15 +4870,15 @@
         </p:nvSpPr>
         <p:spPr>
           <a:xfrm>
-            <a:off x="3820332" y="5962299"/>
-            <a:ext cx="4572000" cy="738664"/>
+            <a:off x="628650" y="5962299"/>
+            <a:ext cx="7763682" cy="738664"/>
           </a:xfrm>
           <a:prstGeom prst="rect">
             <a:avLst/>
           </a:prstGeom>
         </p:spPr>
         <p:txBody>
-          <a:bodyPr>
+          <a:bodyPr wrap="square">
             <a:spAutoFit/>
           </a:bodyPr>
           <a:lstStyle/>
@@ -4996,8 +4890,12 @@
           </a:p>
           <a:p>
             <a:r>
+              <a:rPr lang="en-GB" sz="1400" i="1" dirty="0"/>
+              <a:t>Source</a:t>
+            </a:r>
+            <a:r>
               <a:rPr lang="en-GB" sz="1400" dirty="0"/>
-              <a:t>Source: </a:t>
+              <a:t>: </a:t>
             </a:r>
             <a:r>
               <a:rPr lang="en-GB" sz="1400" dirty="0" err="1"/>
@@ -5059,101 +4957,118 @@
               <a:rPr lang="en-GB" dirty="0" err="1" smtClean="0"/>
               <a:t>Modeling</a:t>
             </a:r>
+            <a:r>
+              <a:rPr lang="en-GB" dirty="0" smtClean="0"/>
+              <a:t> Goals</a:t>
+            </a:r>
             <a:endParaRPr lang="en-GB" dirty="0"/>
           </a:p>
         </p:txBody>
       </p:sp>
-      <p:pic>
-        <p:nvPicPr>
-          <p:cNvPr id="4" name="Content Placeholder 3"/>
-          <p:cNvPicPr>
-            <a:picLocks noGrp="1" noChangeAspect="1"/>
-          </p:cNvPicPr>
+      <p:sp>
+        <p:nvSpPr>
+          <p:cNvPr id="3" name="Content Placeholder 2"/>
+          <p:cNvSpPr>
+            <a:spLocks noGrp="1"/>
+          </p:cNvSpPr>
           <p:nvPr>
             <p:ph idx="1"/>
           </p:nvPr>
-        </p:nvPicPr>
-        <p:blipFill>
-          <a:blip r:embed="rId2" cstate="screen">
-            <a:extLst>
-              <a:ext uri="{28A0092B-C50C-407E-A947-70E740481C1C}">
-                <a14:useLocalDpi xmlns:a14="http://schemas.microsoft.com/office/drawing/2010/main"/>
-              </a:ext>
-            </a:extLst>
-          </a:blip>
-          <a:stretch>
-            <a:fillRect/>
-          </a:stretch>
-        </p:blipFill>
-        <p:spPr>
-          <a:xfrm>
-            <a:off x="1055796" y="1453665"/>
-            <a:ext cx="6505465" cy="4351338"/>
-          </a:xfrm>
-          <a:prstGeom prst="rect">
-            <a:avLst/>
-          </a:prstGeom>
-        </p:spPr>
-      </p:pic>
-      <p:sp>
-        <p:nvSpPr>
-          <p:cNvPr id="5" name="Rectangle 4"/>
-          <p:cNvSpPr/>
-          <p:nvPr/>
-        </p:nvSpPr>
-        <p:spPr>
-          <a:xfrm>
-            <a:off x="3943350" y="6176963"/>
-            <a:ext cx="4572000" cy="523220"/>
-          </a:xfrm>
-          <a:prstGeom prst="rect">
-            <a:avLst/>
-          </a:prstGeom>
-        </p:spPr>
-        <p:txBody>
-          <a:bodyPr>
-            <a:spAutoFit/>
-          </a:bodyPr>
-          <a:lstStyle/>
-          <a:p>
-            <a:r>
-              <a:rPr lang="en-GB" sz="1400" dirty="0" err="1"/>
-              <a:t>Modeling</a:t>
-            </a:r>
-            <a:r>
-              <a:rPr lang="en-GB" sz="1400" dirty="0"/>
+        </p:nvSpPr>
+        <p:spPr/>
+        <p:txBody>
+          <a:bodyPr/>
+          <a:lstStyle/>
+          <a:p>
+            <a:r>
+              <a:rPr lang="en-US" dirty="0" smtClean="0"/>
+              <a:t>Three </a:t>
+            </a:r>
+            <a:r>
+              <a:rPr lang="en-US" dirty="0"/>
+              <a:t>research goals that underlie most modeling </a:t>
+            </a:r>
+            <a:r>
+              <a:rPr lang="en-US" dirty="0" smtClean="0"/>
+              <a:t>efforts</a:t>
+            </a:r>
+          </a:p>
+          <a:p>
+            <a:pPr lvl="1"/>
+            <a:r>
+              <a:rPr lang="en-US" i="1" dirty="0" smtClean="0"/>
+              <a:t>Description – </a:t>
+            </a:r>
+            <a:r>
+              <a:rPr lang="en-US" dirty="0" smtClean="0"/>
+              <a:t>summarizing </a:t>
+            </a:r>
+            <a:r>
+              <a:rPr lang="en-US" dirty="0"/>
+              <a:t>large amounts of data into meaningful statistics and computing basic relationships between </a:t>
+            </a:r>
+            <a:r>
+              <a:rPr lang="en-US" dirty="0" smtClean="0"/>
+              <a:t>variables</a:t>
+            </a:r>
+            <a:endParaRPr lang="en-US" dirty="0"/>
+          </a:p>
+          <a:p>
+            <a:pPr lvl="1"/>
+            <a:r>
+              <a:rPr lang="en-US" dirty="0" smtClean="0"/>
+              <a:t>P</a:t>
+            </a:r>
+            <a:r>
+              <a:rPr lang="en-US" i="1" dirty="0" smtClean="0"/>
+              <a:t>rediction – </a:t>
+            </a:r>
+            <a:r>
+              <a:rPr lang="en-US" dirty="0" smtClean="0"/>
+              <a:t>predict</a:t>
+            </a:r>
+            <a:r>
+              <a:rPr lang="en-US" i="1" dirty="0" smtClean="0"/>
               <a:t> </a:t>
             </a:r>
             <a:r>
-              <a:rPr lang="en-GB" sz="1400" dirty="0" smtClean="0"/>
-              <a:t>Flowchart</a:t>
-            </a:r>
-            <a:r>
-              <a:rPr lang="en-GB" sz="1400" dirty="0"/>
-              <a:t/>
-            </a:r>
-            <a:br>
-              <a:rPr lang="en-GB" sz="1400" dirty="0"/>
-            </a:br>
-            <a:r>
-              <a:rPr lang="en-GB" sz="1400" dirty="0"/>
-              <a:t>Source: Authors’ own, but based on </a:t>
-            </a:r>
-            <a:r>
-              <a:rPr lang="en-GB" sz="1400" dirty="0" err="1"/>
-              <a:t>Shmueli</a:t>
-            </a:r>
-            <a:r>
-              <a:rPr lang="en-GB" sz="1400" dirty="0"/>
-              <a:t> (2010) </a:t>
-            </a:r>
+              <a:rPr lang="en-US" dirty="0"/>
+              <a:t>the values of attributes that we do not have </a:t>
+            </a:r>
+            <a:endParaRPr lang="en-US" dirty="0" smtClean="0"/>
+          </a:p>
+          <a:p>
+            <a:pPr lvl="1"/>
+            <a:r>
+              <a:rPr lang="en-US" i="1" dirty="0" smtClean="0"/>
+              <a:t>Explanation – </a:t>
+            </a:r>
+            <a:r>
+              <a:rPr lang="en-US" dirty="0"/>
+              <a:t>e</a:t>
+            </a:r>
+            <a:r>
+              <a:rPr lang="en-US" dirty="0" smtClean="0"/>
+              <a:t>xplain </a:t>
+            </a:r>
+            <a:r>
+              <a:rPr lang="en-US" dirty="0"/>
+              <a:t>the relationships between variables, that is, to test causal relationships </a:t>
+            </a:r>
+          </a:p>
+          <a:p>
+            <a:pPr lvl="1"/>
+            <a:endParaRPr lang="en-US" dirty="0"/>
+          </a:p>
+          <a:p>
+            <a:endParaRPr lang="en-GB" dirty="0"/>
           </a:p>
         </p:txBody>
       </p:sp>
     </p:spTree>
     <p:extLst>
       <p:ext uri="{BB962C8B-B14F-4D97-AF65-F5344CB8AC3E}">
-        <p14:creationId xmlns:p14="http://schemas.microsoft.com/office/powerpoint/2010/main" val="2060865409"/>
+        <p14:creationId xmlns:p14="http://schemas.microsoft.com/office/powerpoint/2010/main" val="1448680686"/>
       </p:ext>
     </p:extLst>
   </p:cSld>
@@ -5196,12 +5111,8 @@
           <a:lstStyle/>
           <a:p>
             <a:r>
-              <a:rPr lang="en-GB" dirty="0" err="1" smtClean="0"/>
-              <a:t>Modeling</a:t>
-            </a:r>
-            <a:r>
               <a:rPr lang="en-GB" dirty="0" smtClean="0"/>
-              <a:t> Goals</a:t>
+              <a:t>Descriptive Analysis</a:t>
             </a:r>
             <a:endParaRPr lang="en-GB" dirty="0"/>
           </a:p>
@@ -5219,86 +5130,121 @@
         </p:nvSpPr>
         <p:spPr/>
         <p:txBody>
-          <a:bodyPr/>
-          <a:lstStyle/>
-          <a:p>
-            <a:r>
-              <a:rPr lang="en-US" dirty="0" smtClean="0"/>
-              <a:t>Three </a:t>
-            </a:r>
+          <a:bodyPr>
+            <a:normAutofit lnSpcReduction="10000"/>
+          </a:bodyPr>
+          <a:lstStyle/>
+          <a:p>
             <a:r>
               <a:rPr lang="en-US" dirty="0"/>
-              <a:t>research goals that underlie most modeling </a:t>
-            </a:r>
-            <a:r>
-              <a:rPr lang="en-US" dirty="0" smtClean="0"/>
-              <a:t>efforts</a:t>
+              <a:t>Developing procedures to </a:t>
+            </a:r>
+            <a:r>
+              <a:rPr lang="en-US" i="1" dirty="0"/>
+              <a:t>clean </a:t>
+            </a:r>
+            <a:r>
+              <a:rPr lang="en-US" dirty="0"/>
+              <a:t>a dataset and identify </a:t>
+            </a:r>
+            <a:r>
+              <a:rPr lang="en-US" i="1" dirty="0"/>
+              <a:t>missing data </a:t>
+            </a:r>
+            <a:r>
+              <a:rPr lang="en-US" dirty="0"/>
+              <a:t>and </a:t>
+            </a:r>
+            <a:r>
+              <a:rPr lang="en-US" i="1" dirty="0"/>
+              <a:t>erroneous </a:t>
+            </a:r>
+            <a:r>
+              <a:rPr lang="en-US" dirty="0"/>
+              <a:t>attributes is a critical early step in an analysis. </a:t>
+            </a:r>
+          </a:p>
+          <a:p>
+            <a:r>
+              <a:rPr lang="en-GB" dirty="0" smtClean="0"/>
+              <a:t>Problem data</a:t>
             </a:r>
           </a:p>
           <a:p>
             <a:pPr lvl="1"/>
             <a:r>
-              <a:rPr lang="en-US" i="1" dirty="0" smtClean="0"/>
-              <a:t>Description - </a:t>
-            </a:r>
-            <a:r>
-              <a:rPr lang="en-US" dirty="0" smtClean="0"/>
-              <a:t>summarizing </a:t>
-            </a:r>
-            <a:r>
-              <a:rPr lang="en-US" dirty="0"/>
-              <a:t>large amounts of data into meaningful statistics and computing basic relationships between </a:t>
-            </a:r>
-            <a:r>
-              <a:rPr lang="en-US" dirty="0" smtClean="0"/>
-              <a:t>variables</a:t>
-            </a:r>
-            <a:endParaRPr lang="en-US" dirty="0"/>
+              <a:rPr lang="en-GB" dirty="0" smtClean="0"/>
+              <a:t>Missing data</a:t>
+            </a:r>
+          </a:p>
+          <a:p>
+            <a:pPr lvl="2"/>
+            <a:r>
+              <a:rPr lang="en-GB" dirty="0" smtClean="0"/>
+              <a:t>Distinction </a:t>
+            </a:r>
+            <a:r>
+              <a:rPr lang="en-GB" dirty="0"/>
+              <a:t>between values that </a:t>
+            </a:r>
+            <a:r>
+              <a:rPr lang="en-GB" dirty="0" smtClean="0"/>
+              <a:t>are “</a:t>
+            </a:r>
+            <a:r>
+              <a:rPr lang="en-GB" dirty="0"/>
+              <a:t>missing</a:t>
+            </a:r>
+            <a:r>
+              <a:rPr lang="en-GB" dirty="0" smtClean="0"/>
+              <a:t>” or “zero.”</a:t>
+            </a:r>
           </a:p>
           <a:p>
             <a:pPr lvl="1"/>
             <a:r>
-              <a:rPr lang="en-US" dirty="0" smtClean="0"/>
-              <a:t>P</a:t>
-            </a:r>
-            <a:r>
-              <a:rPr lang="en-US" i="1" dirty="0" smtClean="0"/>
-              <a:t>rediction - </a:t>
-            </a:r>
-            <a:r>
-              <a:rPr lang="en-US" dirty="0"/>
-              <a:t>predict</a:t>
-            </a:r>
-            <a:r>
-              <a:rPr lang="en-US" i="1" dirty="0"/>
-              <a:t> </a:t>
-            </a:r>
-            <a:r>
-              <a:rPr lang="en-US" dirty="0"/>
-              <a:t>the values of attributes that we do not have </a:t>
-            </a:r>
-            <a:endParaRPr lang="en-US" dirty="0" smtClean="0"/>
+              <a:rPr lang="en-GB" dirty="0" smtClean="0"/>
+              <a:t>Extraordinary </a:t>
+            </a:r>
+            <a:r>
+              <a:rPr lang="en-GB" dirty="0"/>
+              <a:t>data values, called </a:t>
+            </a:r>
+            <a:r>
+              <a:rPr lang="en-GB" i="1" dirty="0"/>
+              <a:t>outliers</a:t>
+            </a:r>
+            <a:r>
+              <a:rPr lang="en-GB" dirty="0"/>
+              <a:t>, can be real or erroneous. </a:t>
+            </a:r>
+          </a:p>
+          <a:p>
+            <a:pPr lvl="2"/>
+            <a:r>
+              <a:rPr lang="en-GB" dirty="0" smtClean="0"/>
+              <a:t>In general outliers </a:t>
+            </a:r>
+            <a:r>
+              <a:rPr lang="en-GB" dirty="0"/>
+              <a:t>should only be removed when they are the result of measurement error since “unexpected” findings are not necessarily wrong. </a:t>
+            </a:r>
+            <a:endParaRPr lang="en-GB" dirty="0" smtClean="0"/>
+          </a:p>
+          <a:p>
+            <a:pPr lvl="2"/>
+            <a:r>
+              <a:rPr lang="en-GB" dirty="0" smtClean="0"/>
+              <a:t>Median is often a useful measure of central tendency when outliers are present.</a:t>
+            </a:r>
+            <a:endParaRPr lang="en-GB" dirty="0"/>
           </a:p>
           <a:p>
             <a:pPr lvl="1"/>
-            <a:r>
-              <a:rPr lang="en-US" i="1" dirty="0" smtClean="0"/>
-              <a:t>Explanation  - </a:t>
-            </a:r>
-            <a:r>
-              <a:rPr lang="en-US" dirty="0" smtClean="0"/>
-              <a:t>Explain </a:t>
-            </a:r>
-            <a:r>
-              <a:rPr lang="en-US" dirty="0"/>
-              <a:t>the relationships between variables, that is, to test causal relationships </a:t>
-            </a:r>
+            <a:endParaRPr lang="en-GB" dirty="0"/>
           </a:p>
           <a:p>
             <a:pPr lvl="1"/>
-            <a:endParaRPr lang="en-US" dirty="0"/>
-          </a:p>
-          <a:p>
             <a:endParaRPr lang="en-GB" dirty="0"/>
           </a:p>
         </p:txBody>
@@ -5306,7 +5252,7 @@
     </p:spTree>
     <p:extLst>
       <p:ext uri="{BB962C8B-B14F-4D97-AF65-F5344CB8AC3E}">
-        <p14:creationId xmlns:p14="http://schemas.microsoft.com/office/powerpoint/2010/main" val="1448680686"/>
+        <p14:creationId xmlns:p14="http://schemas.microsoft.com/office/powerpoint/2010/main" val="518866862"/>
       </p:ext>
     </p:extLst>
   </p:cSld>
@@ -5350,147 +5296,84 @@
           <a:p>
             <a:r>
               <a:rPr lang="en-GB" dirty="0" smtClean="0"/>
-              <a:t>Descriptive Analysis</a:t>
+              <a:t>Missing Values</a:t>
             </a:r>
             <a:endParaRPr lang="en-GB" dirty="0"/>
           </a:p>
         </p:txBody>
       </p:sp>
-      <p:sp>
-        <p:nvSpPr>
-          <p:cNvPr id="3" name="Content Placeholder 2"/>
-          <p:cNvSpPr>
-            <a:spLocks noGrp="1"/>
-          </p:cNvSpPr>
+      <p:pic>
+        <p:nvPicPr>
+          <p:cNvPr id="4" name="Content Placeholder 3"/>
+          <p:cNvPicPr>
+            <a:picLocks noGrp="1" noChangeAspect="1"/>
+          </p:cNvPicPr>
           <p:nvPr>
             <p:ph idx="1"/>
           </p:nvPr>
-        </p:nvSpPr>
-        <p:spPr/>
-        <p:txBody>
-          <a:bodyPr>
-            <a:normAutofit lnSpcReduction="10000"/>
+        </p:nvPicPr>
+        <p:blipFill>
+          <a:blip r:embed="rId2" cstate="screen">
+            <a:extLst>
+              <a:ext uri="{28A0092B-C50C-407E-A947-70E740481C1C}">
+                <a14:useLocalDpi xmlns:a14="http://schemas.microsoft.com/office/drawing/2010/main"/>
+              </a:ext>
+            </a:extLst>
+          </a:blip>
+          <a:stretch>
+            <a:fillRect/>
+          </a:stretch>
+        </p:blipFill>
+        <p:spPr>
+          <a:xfrm>
+            <a:off x="1164326" y="1825625"/>
+            <a:ext cx="6815348" cy="4351338"/>
+          </a:xfrm>
+          <a:prstGeom prst="rect">
+            <a:avLst/>
+          </a:prstGeom>
+        </p:spPr>
+      </p:pic>
+      <p:sp>
+        <p:nvSpPr>
+          <p:cNvPr id="5" name="Rectangle 4"/>
+          <p:cNvSpPr/>
+          <p:nvPr/>
+        </p:nvSpPr>
+        <p:spPr>
+          <a:xfrm>
+            <a:off x="1880558" y="6311899"/>
+            <a:ext cx="5287993" cy="307777"/>
+          </a:xfrm>
+          <a:prstGeom prst="rect">
+            <a:avLst/>
+          </a:prstGeom>
+        </p:spPr>
+        <p:txBody>
+          <a:bodyPr wrap="square">
+            <a:spAutoFit/>
           </a:bodyPr>
           <a:lstStyle/>
           <a:p>
             <a:r>
-              <a:rPr lang="en-US" dirty="0"/>
-              <a:t>Developing procedures to </a:t>
-            </a:r>
-            <a:r>
-              <a:rPr lang="en-US" i="1" dirty="0"/>
-              <a:t>clean </a:t>
-            </a:r>
-            <a:r>
-              <a:rPr lang="en-US" dirty="0"/>
-              <a:t>a dataset and identify </a:t>
-            </a:r>
-            <a:r>
-              <a:rPr lang="en-US" i="1" dirty="0"/>
-              <a:t>missing data </a:t>
-            </a:r>
-            <a:r>
-              <a:rPr lang="en-US" dirty="0"/>
-              <a:t>and </a:t>
-            </a:r>
-            <a:r>
-              <a:rPr lang="en-US" i="1" dirty="0"/>
-              <a:t>erroneous </a:t>
-            </a:r>
-            <a:r>
-              <a:rPr lang="en-US" dirty="0"/>
-              <a:t>attributes is a critical early step in an analysis. </a:t>
-            </a:r>
-          </a:p>
-          <a:p>
-            <a:r>
-              <a:rPr lang="en-GB" dirty="0" smtClean="0"/>
-              <a:t>Problem data</a:t>
-            </a:r>
-          </a:p>
-          <a:p>
-            <a:pPr lvl="1"/>
-            <a:r>
-              <a:rPr lang="en-GB" dirty="0" smtClean="0"/>
-              <a:t>Missing data</a:t>
-            </a:r>
-          </a:p>
-          <a:p>
-            <a:pPr lvl="2"/>
-            <a:r>
-              <a:rPr lang="en-GB" dirty="0" smtClean="0"/>
-              <a:t>Distinction </a:t>
-            </a:r>
-            <a:r>
-              <a:rPr lang="en-GB" dirty="0"/>
-              <a:t>between values that </a:t>
-            </a:r>
-            <a:r>
-              <a:rPr lang="en-GB" dirty="0" smtClean="0"/>
-              <a:t>are “</a:t>
-            </a:r>
-            <a:r>
-              <a:rPr lang="en-GB" dirty="0"/>
-              <a:t>missing</a:t>
-            </a:r>
-            <a:r>
-              <a:rPr lang="en-GB" dirty="0" smtClean="0"/>
-              <a:t>” or “zero.”</a:t>
-            </a:r>
-          </a:p>
-          <a:p>
-            <a:pPr lvl="1"/>
-            <a:r>
-              <a:rPr lang="en-GB" dirty="0" smtClean="0"/>
-              <a:t>Extraordinary </a:t>
-            </a:r>
-            <a:r>
-              <a:rPr lang="en-GB" dirty="0"/>
-              <a:t>data values, called </a:t>
-            </a:r>
-            <a:r>
-              <a:rPr lang="en-GB" i="1" dirty="0"/>
-              <a:t>outliers</a:t>
-            </a:r>
-            <a:r>
-              <a:rPr lang="en-GB" dirty="0"/>
-              <a:t>, can be real or erroneous. </a:t>
-            </a:r>
-          </a:p>
-          <a:p>
-            <a:pPr lvl="2"/>
-            <a:r>
-              <a:rPr lang="en-GB" dirty="0" smtClean="0"/>
-              <a:t>In general outliers </a:t>
-            </a:r>
-            <a:r>
-              <a:rPr lang="en-GB" dirty="0"/>
-              <a:t>should only be removed when they are the result of measurement error since “unexpected” findings are not necessarily wrong. </a:t>
-            </a:r>
-            <a:endParaRPr lang="en-GB" dirty="0" smtClean="0"/>
-          </a:p>
-          <a:p>
-            <a:pPr lvl="2"/>
-            <a:r>
-              <a:rPr lang="en-GB" dirty="0" smtClean="0"/>
-              <a:t>Median is often a useful measure of central tendency when outliers are present</a:t>
-            </a:r>
-            <a:endParaRPr lang="en-GB" dirty="0"/>
-          </a:p>
-          <a:p>
-            <a:pPr lvl="1"/>
-            <a:endParaRPr lang="en-GB" dirty="0"/>
-          </a:p>
-          <a:p>
-            <a:pPr lvl="1"/>
-            <a:endParaRPr lang="en-GB" dirty="0"/>
+              <a:rPr lang="en-GB" sz="1400" dirty="0"/>
+              <a:t>Outliers and missing data can cause problems when </a:t>
+            </a:r>
+            <a:r>
+              <a:rPr lang="en-GB" sz="1400" dirty="0" err="1"/>
+              <a:t>modeling</a:t>
+            </a:r>
+            <a:r>
+              <a:rPr lang="en-GB" sz="1400" dirty="0"/>
+              <a:t> data </a:t>
+            </a:r>
           </a:p>
         </p:txBody>
       </p:sp>
     </p:spTree>
     <p:extLst>
       <p:ext uri="{BB962C8B-B14F-4D97-AF65-F5344CB8AC3E}">
-        <p14:creationId xmlns:p14="http://schemas.microsoft.com/office/powerpoint/2010/main" val="518866862"/>
+        <p14:creationId xmlns:p14="http://schemas.microsoft.com/office/powerpoint/2010/main" val="871923057"/>
       </p:ext>
     </p:extLst>
   </p:cSld>
